--- a/docs/datascience_poster_v1.pptx
+++ b/docs/datascience_poster_v1.pptx
@@ -5344,7 +5344,7 @@
           <a:graphicData uri="http://schemas.openxmlformats.org/presentationml/2006/ole">
             <mc:AlternateContent xmlns:mc="http://schemas.openxmlformats.org/markup-compatibility/2006">
               <mc:Choice xmlns:v="urn:schemas-microsoft-com:vml" Requires="v">
-                <p:oleObj spid="_x0000_s1058" name="Equation" r:id="rId8" imgW="2692400" imgH="419100" progId="Equation.3">
+                <p:oleObj spid="_x0000_s1060" name="Equation" r:id="rId8" imgW="2692400" imgH="419100" progId="Equation.3">
                   <p:embed/>
                 </p:oleObj>
               </mc:Choice>
@@ -19703,7 +19703,7 @@
           <a:graphicData uri="http://schemas.openxmlformats.org/presentationml/2006/ole">
             <mc:AlternateContent xmlns:mc="http://schemas.openxmlformats.org/markup-compatibility/2006">
               <mc:Choice xmlns:v="urn:schemas-microsoft-com:vml" Requires="v">
-                <p:oleObj spid="_x0000_s1059" name="Equation" r:id="rId14" imgW="1473200" imgH="431800" progId="Equation.3">
+                <p:oleObj spid="_x0000_s1061" name="Equation" r:id="rId14" imgW="1473200" imgH="431800" progId="Equation.3">
                   <p:embed/>
                 </p:oleObj>
               </mc:Choice>
@@ -20103,13 +20103,13 @@
           <p:nvPr>
             <p:extLst>
               <p:ext uri="{D42A27DB-BD31-4B8C-83A1-F6EECF244321}">
-                <p14:modId xmlns:p14="http://schemas.microsoft.com/office/powerpoint/2010/main" val="4134296116"/>
+                <p14:modId xmlns:p14="http://schemas.microsoft.com/office/powerpoint/2010/main" val="815472348"/>
               </p:ext>
             </p:extLst>
           </p:nvPr>
         </p:nvGraphicFramePr>
         <p:xfrm>
-          <a:off x="272327" y="5201846"/>
+          <a:off x="272327" y="5394350"/>
           <a:ext cx="27685984" cy="3078480"/>
         </p:xfrm>
         <a:graphic>
@@ -20369,7 +20369,7 @@
                     <a:lnT w="12700" cmpd="sng">
                       <a:noFill/>
                     </a:lnT>
-                    <a:lnB w="12700" cap="flat" cmpd="sng" algn="ctr">
+                    <a:lnB w="57150" cap="flat" cmpd="sng" algn="ctr">
                       <a:solidFill>
                         <a:schemeClr val="tx1"/>
                       </a:solidFill>
@@ -20434,7 +20434,7 @@
                     <a:lnT w="12700" cmpd="sng">
                       <a:noFill/>
                     </a:lnT>
-                    <a:lnB w="12700" cap="flat" cmpd="sng" algn="ctr">
+                    <a:lnB w="57150" cap="flat" cmpd="sng" algn="ctr">
                       <a:solidFill>
                         <a:schemeClr val="tx1"/>
                       </a:solidFill>
@@ -20499,7 +20499,7 @@
                     <a:lnT w="12700" cmpd="sng">
                       <a:noFill/>
                     </a:lnT>
-                    <a:lnB w="12700" cap="flat" cmpd="sng" algn="ctr">
+                    <a:lnB w="57150" cap="flat" cmpd="sng" algn="ctr">
                       <a:solidFill>
                         <a:schemeClr val="tx1"/>
                       </a:solidFill>
@@ -20564,7 +20564,7 @@
                     <a:lnT w="12700" cmpd="sng">
                       <a:noFill/>
                     </a:lnT>
-                    <a:lnB w="12700" cap="flat" cmpd="sng" algn="ctr">
+                    <a:lnB w="57150" cap="flat" cmpd="sng" algn="ctr">
                       <a:solidFill>
                         <a:schemeClr val="tx1"/>
                       </a:solidFill>

--- a/docs/datascience_poster_v1.pptx
+++ b/docs/datascience_poster_v1.pptx
@@ -319,7 +319,7 @@
           <a:p>
             <a:fld id="{B85FB25A-B72B-064B-B05D-213ECC7E3CAA}" type="datetimeFigureOut">
               <a:rPr lang="en-US" smtClean="0"/>
-              <a:t>5/5/2015</a:t>
+              <a:t>5/6/2015</a:t>
             </a:fld>
             <a:endParaRPr lang="en-US"/>
           </a:p>
@@ -489,7 +489,7 @@
           <a:p>
             <a:fld id="{B85FB25A-B72B-064B-B05D-213ECC7E3CAA}" type="datetimeFigureOut">
               <a:rPr lang="en-US" smtClean="0"/>
-              <a:t>5/5/2015</a:t>
+              <a:t>5/6/2015</a:t>
             </a:fld>
             <a:endParaRPr lang="en-US"/>
           </a:p>
@@ -669,7 +669,7 @@
           <a:p>
             <a:fld id="{B85FB25A-B72B-064B-B05D-213ECC7E3CAA}" type="datetimeFigureOut">
               <a:rPr lang="en-US" smtClean="0"/>
-              <a:t>5/5/2015</a:t>
+              <a:t>5/6/2015</a:t>
             </a:fld>
             <a:endParaRPr lang="en-US"/>
           </a:p>
@@ -839,7 +839,7 @@
           <a:p>
             <a:fld id="{B85FB25A-B72B-064B-B05D-213ECC7E3CAA}" type="datetimeFigureOut">
               <a:rPr lang="en-US" smtClean="0"/>
-              <a:t>5/5/2015</a:t>
+              <a:t>5/6/2015</a:t>
             </a:fld>
             <a:endParaRPr lang="en-US"/>
           </a:p>
@@ -1085,7 +1085,7 @@
           <a:p>
             <a:fld id="{B85FB25A-B72B-064B-B05D-213ECC7E3CAA}" type="datetimeFigureOut">
               <a:rPr lang="en-US" smtClean="0"/>
-              <a:t>5/5/2015</a:t>
+              <a:t>5/6/2015</a:t>
             </a:fld>
             <a:endParaRPr lang="en-US"/>
           </a:p>
@@ -1373,7 +1373,7 @@
           <a:p>
             <a:fld id="{B85FB25A-B72B-064B-B05D-213ECC7E3CAA}" type="datetimeFigureOut">
               <a:rPr lang="en-US" smtClean="0"/>
-              <a:t>5/5/2015</a:t>
+              <a:t>5/6/2015</a:t>
             </a:fld>
             <a:endParaRPr lang="en-US"/>
           </a:p>
@@ -1795,7 +1795,7 @@
           <a:p>
             <a:fld id="{B85FB25A-B72B-064B-B05D-213ECC7E3CAA}" type="datetimeFigureOut">
               <a:rPr lang="en-US" smtClean="0"/>
-              <a:t>5/5/2015</a:t>
+              <a:t>5/6/2015</a:t>
             </a:fld>
             <a:endParaRPr lang="en-US"/>
           </a:p>
@@ -1913,7 +1913,7 @@
           <a:p>
             <a:fld id="{B85FB25A-B72B-064B-B05D-213ECC7E3CAA}" type="datetimeFigureOut">
               <a:rPr lang="en-US" smtClean="0"/>
-              <a:t>5/5/2015</a:t>
+              <a:t>5/6/2015</a:t>
             </a:fld>
             <a:endParaRPr lang="en-US"/>
           </a:p>
@@ -2008,7 +2008,7 @@
           <a:p>
             <a:fld id="{B85FB25A-B72B-064B-B05D-213ECC7E3CAA}" type="datetimeFigureOut">
               <a:rPr lang="en-US" smtClean="0"/>
-              <a:t>5/5/2015</a:t>
+              <a:t>5/6/2015</a:t>
             </a:fld>
             <a:endParaRPr lang="en-US"/>
           </a:p>
@@ -2285,7 +2285,7 @@
           <a:p>
             <a:fld id="{B85FB25A-B72B-064B-B05D-213ECC7E3CAA}" type="datetimeFigureOut">
               <a:rPr lang="en-US" smtClean="0"/>
-              <a:t>5/5/2015</a:t>
+              <a:t>5/6/2015</a:t>
             </a:fld>
             <a:endParaRPr lang="en-US"/>
           </a:p>
@@ -2538,7 +2538,7 @@
           <a:p>
             <a:fld id="{B85FB25A-B72B-064B-B05D-213ECC7E3CAA}" type="datetimeFigureOut">
               <a:rPr lang="en-US" smtClean="0"/>
-              <a:t>5/5/2015</a:t>
+              <a:t>5/6/2015</a:t>
             </a:fld>
             <a:endParaRPr lang="en-US"/>
           </a:p>
@@ -2751,7 +2751,7 @@
           <a:p>
             <a:fld id="{B85FB25A-B72B-064B-B05D-213ECC7E3CAA}" type="datetimeFigureOut">
               <a:rPr lang="en-US" smtClean="0"/>
-              <a:t>5/5/2015</a:t>
+              <a:t>5/6/2015</a:t>
             </a:fld>
             <a:endParaRPr lang="en-US"/>
           </a:p>
@@ -3165,13 +3165,13 @@
           <p:nvPr>
             <p:extLst>
               <p:ext uri="{D42A27DB-BD31-4B8C-83A1-F6EECF244321}">
-                <p14:modId xmlns:p14="http://schemas.microsoft.com/office/powerpoint/2010/main" val="2599515807"/>
+                <p14:modId xmlns:p14="http://schemas.microsoft.com/office/powerpoint/2010/main" val="898955525"/>
               </p:ext>
             </p:extLst>
           </p:nvPr>
         </p:nvGraphicFramePr>
         <p:xfrm>
-          <a:off x="-11066062" y="16227658"/>
+          <a:off x="38666920" y="20304985"/>
           <a:ext cx="51188813" cy="33033497"/>
         </p:xfrm>
         <a:graphic>
@@ -3231,7 +3231,7 @@
         </p:nvGrpSpPr>
         <p:grpSpPr>
           <a:xfrm>
-            <a:off x="-11029219" y="16736302"/>
+            <a:off x="38703763" y="20813629"/>
             <a:ext cx="25237572" cy="15514497"/>
             <a:chOff x="890736" y="5183505"/>
             <a:chExt cx="20073201" cy="12599000"/>
@@ -3339,13 +3339,6 @@
                 </a:rPr>
                 <a:t>Can You Trust Your Query Results?</a:t>
               </a:r>
-              <a:endParaRPr lang="en-US" sz="7733" b="1" dirty="0">
-                <a:ln>
-                  <a:solidFill>
-                    <a:schemeClr val="tx1"/>
-                  </a:solidFill>
-                </a:ln>
-              </a:endParaRPr>
             </a:p>
           </p:txBody>
         </p:sp>
@@ -3436,8 +3429,8 @@
         </p:blipFill>
         <p:spPr bwMode="auto">
           <a:xfrm>
-            <a:off x="24548514" y="292233"/>
-            <a:ext cx="3987316" cy="4593388"/>
+            <a:off x="25034240" y="292233"/>
+            <a:ext cx="3501590" cy="4033832"/>
           </a:xfrm>
           <a:prstGeom prst="rect">
             <a:avLst/>
@@ -3448,14 +3441,14 @@
           </a:ln>
           <a:extLst>
             <a:ext uri="{909E8E84-426E-40dd-AFC4-6F175D3DCCD1}">
-              <a14:hiddenFill xmlns:a14="http://schemas.microsoft.com/office/drawing/2010/main" xmlns="">
+              <a14:hiddenFill xmlns="" xmlns:a14="http://schemas.microsoft.com/office/drawing/2010/main">
                 <a:solidFill>
                   <a:srgbClr val="FFFFFF"/>
                 </a:solidFill>
               </a14:hiddenFill>
             </a:ext>
             <a:ext uri="{91240B29-F687-4f45-9708-019B960494DF}">
-              <a14:hiddenLine xmlns:a14="http://schemas.microsoft.com/office/drawing/2010/main" xmlns="" w="9525">
+              <a14:hiddenLine xmlns="" xmlns:a14="http://schemas.microsoft.com/office/drawing/2010/main" w="9525">
                 <a:solidFill>
                   <a:srgbClr val="000000"/>
                 </a:solidFill>
@@ -3475,7 +3468,7 @@
         </p:nvGrpSpPr>
         <p:grpSpPr>
           <a:xfrm>
-            <a:off x="14813772" y="16736302"/>
+            <a:off x="64546754" y="20813629"/>
             <a:ext cx="24952236" cy="15514497"/>
             <a:chOff x="1117512" y="5183505"/>
             <a:chExt cx="19846425" cy="12599000"/>
@@ -3583,13 +3576,6 @@
                 </a:rPr>
                 <a:t>Techniques From Biological Species Estimation </a:t>
               </a:r>
-              <a:endParaRPr lang="en-US" sz="7733" b="1" dirty="0">
-                <a:ln>
-                  <a:solidFill>
-                    <a:schemeClr val="tx1"/>
-                  </a:solidFill>
-                </a:ln>
-              </a:endParaRPr>
             </a:p>
           </p:txBody>
         </p:sp>
@@ -3602,7 +3588,7 @@
         </p:nvGrpSpPr>
         <p:grpSpPr>
           <a:xfrm>
-            <a:off x="-10714454" y="33126050"/>
+            <a:off x="39018528" y="37203377"/>
             <a:ext cx="24952452" cy="15514497"/>
             <a:chOff x="1117512" y="5183505"/>
             <a:chExt cx="19758962" cy="12599000"/>
@@ -3712,13 +3698,6 @@
                 </a:rPr>
                 <a:t>Impact of The Unknown on Aggregation Query</a:t>
               </a:r>
-              <a:endParaRPr lang="en-US" sz="7733" b="1" dirty="0">
-                <a:ln>
-                  <a:solidFill>
-                    <a:schemeClr val="tx1"/>
-                  </a:solidFill>
-                </a:ln>
-              </a:endParaRPr>
             </a:p>
           </p:txBody>
         </p:sp>
@@ -3731,7 +3710,7 @@
         </p:nvGrpSpPr>
         <p:grpSpPr>
           <a:xfrm>
-            <a:off x="14923737" y="33126050"/>
+            <a:off x="64656719" y="37203377"/>
             <a:ext cx="24842271" cy="15514497"/>
             <a:chOff x="1117512" y="5183505"/>
             <a:chExt cx="19758962" cy="12599000"/>
@@ -3839,13 +3818,6 @@
                 </a:rPr>
                 <a:t>Simulation Result and Future Work</a:t>
               </a:r>
-              <a:endParaRPr lang="en-US" sz="7733" b="1" dirty="0">
-                <a:ln>
-                  <a:solidFill>
-                    <a:schemeClr val="tx1"/>
-                  </a:solidFill>
-                </a:ln>
-              </a:endParaRPr>
             </a:p>
           </p:txBody>
         </p:sp>
@@ -3858,7 +3830,7 @@
         </p:nvCxnSpPr>
         <p:spPr>
           <a:xfrm>
-            <a:off x="-8257213" y="18335081"/>
+            <a:off x="41475769" y="22412408"/>
             <a:ext cx="19569911" cy="0"/>
           </a:xfrm>
           <a:prstGeom prst="line">
@@ -3893,7 +3865,7 @@
         </p:nvCxnSpPr>
         <p:spPr>
           <a:xfrm>
-            <a:off x="17368878" y="18326639"/>
+            <a:off x="67101860" y="22403966"/>
             <a:ext cx="19569911" cy="0"/>
           </a:xfrm>
           <a:prstGeom prst="line">
@@ -3928,7 +3900,7 @@
         </p:nvCxnSpPr>
         <p:spPr>
           <a:xfrm>
-            <a:off x="-7903579" y="34671589"/>
+            <a:off x="41829403" y="38748916"/>
             <a:ext cx="19569911" cy="0"/>
           </a:xfrm>
           <a:prstGeom prst="line">
@@ -3963,7 +3935,7 @@
         </p:nvCxnSpPr>
         <p:spPr>
           <a:xfrm>
-            <a:off x="17483684" y="34663147"/>
+            <a:off x="67216666" y="38740474"/>
             <a:ext cx="19569911" cy="0"/>
           </a:xfrm>
           <a:prstGeom prst="line">
@@ -4012,7 +3984,7 @@
         </p:blipFill>
         <p:spPr>
           <a:xfrm>
-            <a:off x="5810168" y="18994020"/>
+            <a:off x="55543150" y="23071347"/>
             <a:ext cx="5104771" cy="4083817"/>
           </a:xfrm>
           <a:prstGeom prst="rect">
@@ -4028,7 +4000,7 @@
         </p:nvSpPr>
         <p:spPr>
           <a:xfrm>
-            <a:off x="-7859972" y="18827235"/>
+            <a:off x="41873010" y="22904562"/>
             <a:ext cx="13486704" cy="5065812"/>
           </a:xfrm>
           <a:prstGeom prst="rightArrowCallout">
@@ -4088,7 +4060,7 @@
         </p:blipFill>
         <p:spPr>
           <a:xfrm>
-            <a:off x="-7110773" y="19428277"/>
+            <a:off x="42622209" y="23505604"/>
             <a:ext cx="2559413" cy="2559413"/>
           </a:xfrm>
           <a:prstGeom prst="rect">
@@ -4104,7 +4076,7 @@
         </p:nvSpPr>
         <p:spPr>
           <a:xfrm>
-            <a:off x="4998237" y="23296676"/>
+            <a:off x="54731219" y="27374003"/>
             <a:ext cx="6918713" cy="913199"/>
           </a:xfrm>
           <a:prstGeom prst="rect">
@@ -4137,7 +4109,6 @@
               <a:rPr lang="en-US" sz="2667" dirty="0"/>
               <a:t>on the east coast serve clam chowder?”</a:t>
             </a:r>
-            <a:endParaRPr lang="en-US" sz="2667" dirty="0"/>
           </a:p>
         </p:txBody>
       </p:sp>
@@ -4149,7 +4120,7 @@
         </p:nvSpPr>
         <p:spPr>
           <a:xfrm>
-            <a:off x="-7903579" y="24812805"/>
+            <a:off x="41829403" y="28890132"/>
             <a:ext cx="19021719" cy="2062103"/>
           </a:xfrm>
           <a:prstGeom prst="rect">
@@ -4199,7 +4170,7 @@
         </p:nvSpPr>
         <p:spPr>
           <a:xfrm>
-            <a:off x="-6146646" y="27363910"/>
+            <a:off x="43586336" y="31441237"/>
             <a:ext cx="15689023" cy="2350249"/>
           </a:xfrm>
           <a:prstGeom prst="roundRect">
@@ -4240,7 +4211,7 @@
         </p:nvSpPr>
         <p:spPr>
           <a:xfrm>
-            <a:off x="-5540455" y="27291264"/>
+            <a:off x="44192527" y="31368591"/>
             <a:ext cx="14588932" cy="2062359"/>
           </a:xfrm>
           <a:prstGeom prst="rect">
@@ -4289,7 +4260,7 @@
         </p:nvSpPr>
         <p:spPr>
           <a:xfrm>
-            <a:off x="-8116101" y="30674839"/>
+            <a:off x="41616881" y="34752166"/>
             <a:ext cx="19923543" cy="830997"/>
           </a:xfrm>
           <a:prstGeom prst="rect">
@@ -4320,7 +4291,7 @@
         </p:nvSpPr>
         <p:spPr>
           <a:xfrm>
-            <a:off x="80103" y="29714159"/>
+            <a:off x="49813085" y="33791486"/>
             <a:ext cx="3347375" cy="590316"/>
           </a:xfrm>
           <a:prstGeom prst="downArrow">
@@ -4358,7 +4329,7 @@
         </p:nvSpPr>
         <p:spPr>
           <a:xfrm>
-            <a:off x="28043347" y="36746408"/>
+            <a:off x="77776329" y="40823735"/>
             <a:ext cx="10623573" cy="7848302"/>
           </a:xfrm>
           <a:prstGeom prst="rect">
@@ -4423,7 +4394,7 @@
         </p:nvSpPr>
         <p:spPr>
           <a:xfrm>
-            <a:off x="-6850236" y="35967383"/>
+            <a:off x="42882746" y="40044710"/>
             <a:ext cx="6930340" cy="748988"/>
           </a:xfrm>
           <a:prstGeom prst="rect">
@@ -4449,7 +4420,7 @@
         </p:nvSpPr>
         <p:spPr>
           <a:xfrm>
-            <a:off x="-7536146" y="36246103"/>
+            <a:off x="42196836" y="40323430"/>
             <a:ext cx="6720284" cy="3539174"/>
           </a:xfrm>
           <a:prstGeom prst="rect">
@@ -4501,7 +4472,6 @@
               <a:rPr lang="en-US" sz="3733" i="1" dirty="0"/>
               <a:t> = ‘Yes’;</a:t>
             </a:r>
-            <a:endParaRPr lang="en-US" sz="3733" i="1" dirty="0"/>
           </a:p>
         </p:txBody>
       </p:sp>
@@ -4514,13 +4484,13 @@
           <p:nvPr>
             <p:extLst>
               <p:ext uri="{D42A27DB-BD31-4B8C-83A1-F6EECF244321}">
-                <p14:modId xmlns:p14="http://schemas.microsoft.com/office/powerpoint/2010/main" val="3178243295"/>
+                <p14:modId xmlns:p14="http://schemas.microsoft.com/office/powerpoint/2010/main" val="826058615"/>
               </p:ext>
             </p:extLst>
           </p:nvPr>
         </p:nvGraphicFramePr>
         <p:xfrm>
-          <a:off x="2342934" y="35760881"/>
+          <a:off x="52075916" y="39838208"/>
           <a:ext cx="9464508" cy="4133021"/>
         </p:xfrm>
         <a:graphic>
@@ -4894,13 +4864,13 @@
           <p:nvPr>
             <p:extLst>
               <p:ext uri="{D42A27DB-BD31-4B8C-83A1-F6EECF244321}">
-                <p14:modId xmlns:p14="http://schemas.microsoft.com/office/powerpoint/2010/main" val="1677055951"/>
+                <p14:modId xmlns:p14="http://schemas.microsoft.com/office/powerpoint/2010/main" val="2991644435"/>
               </p:ext>
             </p:extLst>
           </p:nvPr>
         </p:nvGraphicFramePr>
         <p:xfrm>
-          <a:off x="2342936" y="40862246"/>
+          <a:off x="52075918" y="44939573"/>
           <a:ext cx="9464508" cy="1621793"/>
         </p:xfrm>
         <a:graphic>
@@ -5083,7 +5053,7 @@
         </p:nvSpPr>
         <p:spPr>
           <a:xfrm>
-            <a:off x="2685065" y="35060415"/>
+            <a:off x="52418047" y="39137742"/>
             <a:ext cx="8792833" cy="666786"/>
           </a:xfrm>
           <a:prstGeom prst="rect">
@@ -5102,7 +5072,6 @@
               <a:rPr lang="en-US" sz="3733" i="1" dirty="0"/>
               <a:t>Table. Known</a:t>
             </a:r>
-            <a:endParaRPr lang="en-US" sz="3733" i="1" dirty="0"/>
           </a:p>
         </p:txBody>
       </p:sp>
@@ -5114,7 +5083,7 @@
         </p:nvSpPr>
         <p:spPr>
           <a:xfrm>
-            <a:off x="2708941" y="40164618"/>
+            <a:off x="52441923" y="44241945"/>
             <a:ext cx="8792833" cy="666786"/>
           </a:xfrm>
           <a:prstGeom prst="rect">
@@ -5133,7 +5102,6 @@
               <a:rPr lang="en-US" sz="3733" i="1" dirty="0"/>
               <a:t>Table. Unknown</a:t>
             </a:r>
-            <a:endParaRPr lang="en-US" sz="3733" i="1" dirty="0"/>
           </a:p>
         </p:txBody>
       </p:sp>
@@ -5145,7 +5113,7 @@
         </p:nvSpPr>
         <p:spPr>
           <a:xfrm>
-            <a:off x="80103" y="37371618"/>
+            <a:off x="49813085" y="41448945"/>
             <a:ext cx="1333995" cy="1486837"/>
           </a:xfrm>
           <a:prstGeom prst="rightArrow">
@@ -5183,7 +5151,7 @@
         </p:nvSpPr>
         <p:spPr>
           <a:xfrm>
-            <a:off x="-8056310" y="40048747"/>
+            <a:off x="41676672" y="44126074"/>
             <a:ext cx="7398111" cy="666786"/>
           </a:xfrm>
           <a:prstGeom prst="rect">
@@ -5206,7 +5174,6 @@
               <a:rPr lang="en-US" sz="3733" i="1" dirty="0"/>
               <a:t>: Aggregation Sum Query </a:t>
             </a:r>
-            <a:endParaRPr lang="en-US" sz="3733" i="1" dirty="0"/>
           </a:p>
         </p:txBody>
       </p:sp>
@@ -5218,7 +5185,7 @@
         </p:nvSpPr>
         <p:spPr>
           <a:xfrm>
-            <a:off x="16026589" y="35593280"/>
+            <a:off x="65759571" y="39670607"/>
             <a:ext cx="11463895" cy="9948089"/>
           </a:xfrm>
           <a:prstGeom prst="roundRect">
@@ -5273,7 +5240,7 @@
         </p:blipFill>
         <p:spPr>
           <a:xfrm>
-            <a:off x="16264253" y="36388689"/>
+            <a:off x="65997235" y="40466016"/>
             <a:ext cx="10837333" cy="8128000"/>
           </a:xfrm>
           <a:prstGeom prst="rect">
@@ -5289,7 +5256,7 @@
         </p:nvSpPr>
         <p:spPr>
           <a:xfrm>
-            <a:off x="-5762008" y="43102485"/>
+            <a:off x="43970974" y="47179812"/>
             <a:ext cx="15687592" cy="2284551"/>
           </a:xfrm>
           <a:prstGeom prst="roundRect">
@@ -5331,20 +5298,20 @@
           <p:nvPr>
             <p:extLst>
               <p:ext uri="{D42A27DB-BD31-4B8C-83A1-F6EECF244321}">
-                <p14:modId xmlns:p14="http://schemas.microsoft.com/office/powerpoint/2010/main" val="572988327"/>
+                <p14:modId xmlns:p14="http://schemas.microsoft.com/office/powerpoint/2010/main" val="1310357342"/>
               </p:ext>
             </p:extLst>
           </p:nvPr>
         </p:nvGraphicFramePr>
         <p:xfrm>
-          <a:off x="-4089279" y="43315508"/>
+          <a:off x="45643703" y="47392835"/>
           <a:ext cx="12464995" cy="1940305"/>
         </p:xfrm>
         <a:graphic>
           <a:graphicData uri="http://schemas.openxmlformats.org/presentationml/2006/ole">
             <mc:AlternateContent xmlns:mc="http://schemas.openxmlformats.org/markup-compatibility/2006">
               <mc:Choice xmlns:v="urn:schemas-microsoft-com:vml" Requires="v">
-                <p:oleObj spid="_x0000_s1060" name="Equation" r:id="rId8" imgW="2692400" imgH="419100" progId="Equation.3">
+                <p:oleObj spid="_x0000_s1064" name="Equation" r:id="rId8" imgW="2692400" imgH="419100" progId="Equation.3">
                   <p:embed/>
                 </p:oleObj>
               </mc:Choice>
@@ -5365,7 +5332,7 @@
                     </p:blipFill>
                     <p:spPr>
                       <a:xfrm>
-                        <a:off x="-4089279" y="43315508"/>
+                        <a:off x="45643703" y="47392835"/>
                         <a:ext cx="12464995" cy="1940305"/>
                       </a:xfrm>
                       <a:prstGeom prst="rect">
@@ -5401,7 +5368,7 @@
         </p:blipFill>
         <p:spPr>
           <a:xfrm>
-            <a:off x="-7018775" y="18827236"/>
+            <a:off x="42714207" y="22904563"/>
             <a:ext cx="2693521" cy="1513417"/>
           </a:xfrm>
           <a:prstGeom prst="rect">
@@ -5431,7 +5398,7 @@
         </p:blipFill>
         <p:spPr>
           <a:xfrm>
-            <a:off x="-7459303" y="21251415"/>
+            <a:off x="42273679" y="25328742"/>
             <a:ext cx="3794817" cy="1051824"/>
           </a:xfrm>
           <a:prstGeom prst="rect">
@@ -5461,7 +5428,7 @@
         </p:blipFill>
         <p:spPr>
           <a:xfrm>
-            <a:off x="-7425436" y="22442087"/>
+            <a:off x="42307546" y="26519414"/>
             <a:ext cx="3490601" cy="1085385"/>
           </a:xfrm>
           <a:prstGeom prst="rect">
@@ -5477,7 +5444,7 @@
         </p:nvSpPr>
         <p:spPr>
           <a:xfrm>
-            <a:off x="-1499382" y="20147415"/>
+            <a:off x="48233600" y="24224742"/>
             <a:ext cx="2201333" cy="2155825"/>
           </a:xfrm>
           <a:prstGeom prst="can">
@@ -5516,7 +5483,7 @@
         </p:nvSpPr>
         <p:spPr>
           <a:xfrm>
-            <a:off x="-1728695" y="20677687"/>
+            <a:off x="48004287" y="24755014"/>
             <a:ext cx="2599979" cy="1241237"/>
           </a:xfrm>
           <a:prstGeom prst="rect">
@@ -5542,7 +5509,6 @@
               <a:rPr lang="en-US" sz="3733" dirty="0"/>
               <a:t>Data Set</a:t>
             </a:r>
-            <a:endParaRPr lang="en-US" sz="3733" dirty="0"/>
           </a:p>
         </p:txBody>
       </p:sp>
@@ -5554,7 +5520,7 @@
         </p:nvSpPr>
         <p:spPr>
           <a:xfrm>
-            <a:off x="-7560903" y="19095622"/>
+            <a:off x="42172079" y="23172949"/>
             <a:ext cx="3794817" cy="861561"/>
           </a:xfrm>
           <a:prstGeom prst="rect">
@@ -5593,7 +5559,7 @@
         </p:nvSpPr>
         <p:spPr>
           <a:xfrm>
-            <a:off x="-7557956" y="20229700"/>
+            <a:off x="42175026" y="24307027"/>
             <a:ext cx="3794817" cy="861561"/>
           </a:xfrm>
           <a:prstGeom prst="rect">
@@ -5632,7 +5598,7 @@
         </p:nvSpPr>
         <p:spPr>
           <a:xfrm>
-            <a:off x="-7560903" y="21294462"/>
+            <a:off x="42172079" y="25371789"/>
             <a:ext cx="3794817" cy="861561"/>
           </a:xfrm>
           <a:prstGeom prst="rect">
@@ -5671,7 +5637,7 @@
         </p:nvSpPr>
         <p:spPr>
           <a:xfrm>
-            <a:off x="-7560903" y="22479286"/>
+            <a:off x="42172079" y="26556613"/>
             <a:ext cx="3794817" cy="861561"/>
           </a:xfrm>
           <a:prstGeom prst="rect">
@@ -5712,7 +5678,7 @@
         </p:nvCxnSpPr>
         <p:spPr>
           <a:xfrm>
-            <a:off x="-3766086" y="19526402"/>
+            <a:off x="45966896" y="23603729"/>
             <a:ext cx="2037392" cy="1151285"/>
           </a:xfrm>
           <a:prstGeom prst="straightConnector1">
@@ -5747,7 +5713,7 @@
         </p:nvCxnSpPr>
         <p:spPr>
           <a:xfrm>
-            <a:off x="-3763140" y="20660481"/>
+            <a:off x="45969842" y="24737808"/>
             <a:ext cx="2034445" cy="430780"/>
           </a:xfrm>
           <a:prstGeom prst="straightConnector1">
@@ -5783,7 +5749,7 @@
         </p:nvCxnSpPr>
         <p:spPr>
           <a:xfrm flipV="1">
-            <a:off x="-3766086" y="21298306"/>
+            <a:off x="45966896" y="25375633"/>
             <a:ext cx="2037391" cy="426937"/>
           </a:xfrm>
           <a:prstGeom prst="straightConnector1">
@@ -5818,7 +5784,7 @@
         </p:nvCxnSpPr>
         <p:spPr>
           <a:xfrm flipV="1">
-            <a:off x="-3766086" y="21725242"/>
+            <a:off x="45966896" y="25802569"/>
             <a:ext cx="2037392" cy="1184824"/>
           </a:xfrm>
           <a:prstGeom prst="straightConnector1">
@@ -5851,7 +5817,7 @@
         </p:nvSpPr>
         <p:spPr>
           <a:xfrm rot="1660431">
-            <a:off x="-3376786" y="19515124"/>
+            <a:off x="46356196" y="23592451"/>
             <a:ext cx="1756081" cy="584775"/>
           </a:xfrm>
           <a:prstGeom prst="rect">
@@ -5869,7 +5835,6 @@
               <a:rPr lang="en-US" sz="3200" dirty="0"/>
               <a:t>Source A</a:t>
             </a:r>
-            <a:endParaRPr lang="en-US" sz="3200" dirty="0"/>
           </a:p>
         </p:txBody>
       </p:sp>
@@ -5881,7 +5846,7 @@
         </p:nvSpPr>
         <p:spPr>
           <a:xfrm rot="832590">
-            <a:off x="-3499267" y="20292052"/>
+            <a:off x="46233715" y="24369379"/>
             <a:ext cx="1756081" cy="584775"/>
           </a:xfrm>
           <a:prstGeom prst="rect">
@@ -5899,7 +5864,6 @@
               <a:rPr lang="en-US" sz="3200" dirty="0"/>
               <a:t>Source B</a:t>
             </a:r>
-            <a:endParaRPr lang="en-US" sz="3200" dirty="0"/>
           </a:p>
         </p:txBody>
       </p:sp>
@@ -5911,7 +5875,7 @@
         </p:nvSpPr>
         <p:spPr>
           <a:xfrm rot="20853550">
-            <a:off x="-3616298" y="20996708"/>
+            <a:off x="46116684" y="25074035"/>
             <a:ext cx="1756081" cy="584775"/>
           </a:xfrm>
           <a:prstGeom prst="rect">
@@ -5929,7 +5893,6 @@
               <a:rPr lang="en-US" sz="3200" dirty="0"/>
               <a:t>Source C</a:t>
             </a:r>
-            <a:endParaRPr lang="en-US" sz="3200" dirty="0"/>
           </a:p>
         </p:txBody>
       </p:sp>
@@ -5941,7 +5904,7 @@
         </p:nvSpPr>
         <p:spPr>
           <a:xfrm rot="19900116">
-            <a:off x="-3697484" y="21805712"/>
+            <a:off x="46035498" y="25883039"/>
             <a:ext cx="1756081" cy="584775"/>
           </a:xfrm>
           <a:prstGeom prst="rect">
@@ -5959,7 +5922,6 @@
               <a:rPr lang="en-US" sz="3200" dirty="0"/>
               <a:t>Source D</a:t>
             </a:r>
-            <a:endParaRPr lang="en-US" sz="3200" dirty="0"/>
           </a:p>
         </p:txBody>
       </p:sp>
@@ -5979,7 +5941,7 @@
         </p:blipFill>
         <p:spPr>
           <a:xfrm>
-            <a:off x="1926066" y="20304985"/>
+            <a:off x="51659048" y="24382312"/>
             <a:ext cx="1111596" cy="1866024"/>
           </a:xfrm>
           <a:prstGeom prst="rect">
@@ -5995,7 +5957,7 @@
         </p:nvSpPr>
         <p:spPr>
           <a:xfrm>
-            <a:off x="876200" y="21646712"/>
+            <a:off x="50609182" y="25724039"/>
             <a:ext cx="1268452" cy="577997"/>
           </a:xfrm>
           <a:prstGeom prst="curvedUpArrow">
@@ -6037,7 +5999,7 @@
         </p:nvSpPr>
         <p:spPr>
           <a:xfrm rot="10800000">
-            <a:off x="876200" y="19912470"/>
+            <a:off x="50609182" y="23989797"/>
             <a:ext cx="1268452" cy="577997"/>
           </a:xfrm>
           <a:prstGeom prst="curvedUpArrow">
@@ -6079,7 +6041,7 @@
         </p:nvSpPr>
         <p:spPr>
           <a:xfrm>
-            <a:off x="681927" y="19163355"/>
+            <a:off x="50414909" y="23240682"/>
             <a:ext cx="1756081" cy="584775"/>
           </a:xfrm>
           <a:prstGeom prst="rect">
@@ -6098,7 +6060,6 @@
               <a:rPr lang="en-US" sz="3200" dirty="0"/>
               <a:t>Query</a:t>
             </a:r>
-            <a:endParaRPr lang="en-US" sz="3200" dirty="0"/>
           </a:p>
         </p:txBody>
       </p:sp>
@@ -6110,7 +6071,7 @@
         </p:nvSpPr>
         <p:spPr>
           <a:xfrm>
-            <a:off x="648060" y="22273029"/>
+            <a:off x="50381042" y="26350356"/>
             <a:ext cx="1756081" cy="584775"/>
           </a:xfrm>
           <a:prstGeom prst="rect">
@@ -6129,7 +6090,6 @@
               <a:rPr lang="en-US" sz="3200" dirty="0"/>
               <a:t>Answer</a:t>
             </a:r>
-            <a:endParaRPr lang="en-US" sz="3200" dirty="0"/>
           </a:p>
         </p:txBody>
       </p:sp>
@@ -6141,7 +6101,7 @@
         </p:nvSpPr>
         <p:spPr>
           <a:xfrm>
-            <a:off x="-8533121" y="23295765"/>
+            <a:off x="41199861" y="27373092"/>
             <a:ext cx="13057224" cy="666786"/>
           </a:xfrm>
           <a:prstGeom prst="rect">
@@ -6160,7 +6120,6 @@
               <a:rPr lang="en-US" sz="3733" i="1" dirty="0"/>
               <a:t>Fig. Typical Analytics Process Pipeline</a:t>
             </a:r>
-            <a:endParaRPr lang="en-US" sz="3733" i="1" dirty="0"/>
           </a:p>
         </p:txBody>
       </p:sp>
@@ -6172,7 +6131,7 @@
         </p:nvSpPr>
         <p:spPr>
           <a:xfrm>
-            <a:off x="13963028" y="32052189"/>
+            <a:off x="63696010" y="36129516"/>
             <a:ext cx="683068" cy="584775"/>
           </a:xfrm>
           <a:prstGeom prst="rect">
@@ -6194,11 +6153,6 @@
               </a:rPr>
               <a:t>1</a:t>
             </a:r>
-            <a:endParaRPr lang="en-US" sz="3200" dirty="0">
-              <a:solidFill>
-                <a:schemeClr val="accent1"/>
-              </a:solidFill>
-            </a:endParaRPr>
           </a:p>
         </p:txBody>
       </p:sp>
@@ -6210,7 +6164,7 @@
         </p:nvSpPr>
         <p:spPr>
           <a:xfrm>
-            <a:off x="14628564" y="32052189"/>
+            <a:off x="64361546" y="36129516"/>
             <a:ext cx="756539" cy="584775"/>
           </a:xfrm>
           <a:prstGeom prst="rect">
@@ -6232,11 +6186,6 @@
               </a:rPr>
               <a:t>2</a:t>
             </a:r>
-            <a:endParaRPr lang="en-US" sz="3200" dirty="0">
-              <a:solidFill>
-                <a:schemeClr val="accent1"/>
-              </a:solidFill>
-            </a:endParaRPr>
           </a:p>
         </p:txBody>
       </p:sp>
@@ -6248,7 +6197,7 @@
         </p:nvSpPr>
         <p:spPr>
           <a:xfrm>
-            <a:off x="13966135" y="32738969"/>
+            <a:off x="63699117" y="36816296"/>
             <a:ext cx="756539" cy="584775"/>
           </a:xfrm>
           <a:prstGeom prst="rect">
@@ -6270,11 +6219,6 @@
               </a:rPr>
               <a:t>3</a:t>
             </a:r>
-            <a:endParaRPr lang="en-US" sz="3200" dirty="0">
-              <a:solidFill>
-                <a:schemeClr val="accent1"/>
-              </a:solidFill>
-            </a:endParaRPr>
           </a:p>
         </p:txBody>
       </p:sp>
@@ -6286,7 +6230,7 @@
         </p:nvSpPr>
         <p:spPr>
           <a:xfrm>
-            <a:off x="14640796" y="32738969"/>
+            <a:off x="64373778" y="36816296"/>
             <a:ext cx="756539" cy="584775"/>
           </a:xfrm>
           <a:prstGeom prst="rect">
@@ -6308,11 +6252,6 @@
               </a:rPr>
               <a:t>4</a:t>
             </a:r>
-            <a:endParaRPr lang="en-US" sz="3200" dirty="0">
-              <a:solidFill>
-                <a:schemeClr val="accent1"/>
-              </a:solidFill>
-            </a:endParaRPr>
           </a:p>
         </p:txBody>
       </p:sp>
@@ -6324,7 +6263,7 @@
         </p:nvCxnSpPr>
         <p:spPr>
           <a:xfrm>
-            <a:off x="14499074" y="32052189"/>
+            <a:off x="64232056" y="36129516"/>
             <a:ext cx="0" cy="1262488"/>
           </a:xfrm>
           <a:prstGeom prst="line">
@@ -6354,7 +6293,7 @@
         </p:nvCxnSpPr>
         <p:spPr>
           <a:xfrm>
-            <a:off x="13809817" y="32700378"/>
+            <a:off x="63542799" y="36777705"/>
             <a:ext cx="1283253" cy="0"/>
           </a:xfrm>
           <a:prstGeom prst="line">
@@ -6384,7 +6323,7 @@
         </p:nvSpPr>
         <p:spPr>
           <a:xfrm>
-            <a:off x="15982272" y="18772693"/>
+            <a:off x="65715254" y="22850020"/>
             <a:ext cx="22516272" cy="9646707"/>
           </a:xfrm>
           <a:prstGeom prst="roundRect">
@@ -6437,7 +6376,7 @@
         </p:nvGrpSpPr>
         <p:grpSpPr>
           <a:xfrm>
-            <a:off x="16163110" y="21240364"/>
+            <a:off x="65896092" y="25317691"/>
             <a:ext cx="7778271" cy="6220405"/>
             <a:chOff x="21627854" y="7713297"/>
             <a:chExt cx="5833703" cy="4665304"/>
@@ -6949,7 +6888,6 @@
                   <a:rPr lang="en-US" sz="5333" dirty="0"/>
                   <a:t>A</a:t>
                 </a:r>
-                <a:endParaRPr lang="en-US" sz="5333" dirty="0"/>
               </a:p>
             </p:txBody>
           </p:sp>
@@ -7189,7 +7127,6 @@
                   <a:rPr lang="en-US" sz="4800" dirty="0"/>
                   <a:t>B</a:t>
                 </a:r>
-                <a:endParaRPr lang="en-US" sz="4800" dirty="0"/>
               </a:p>
             </p:txBody>
           </p:sp>
@@ -7429,7 +7366,6 @@
                   <a:rPr lang="en-US" sz="5867" dirty="0"/>
                   <a:t>C</a:t>
                 </a:r>
-                <a:endParaRPr lang="en-US" sz="5867" dirty="0"/>
               </a:p>
             </p:txBody>
           </p:sp>
@@ -7669,7 +7605,6 @@
                   <a:rPr lang="en-US" sz="4800" dirty="0"/>
                   <a:t>D</a:t>
                 </a:r>
-                <a:endParaRPr lang="en-US" sz="4800" dirty="0"/>
               </a:p>
             </p:txBody>
           </p:sp>
@@ -7909,7 +7844,6 @@
                   <a:rPr lang="en-US" sz="2400" dirty="0"/>
                   <a:t>E</a:t>
                 </a:r>
-                <a:endParaRPr lang="en-US" sz="2400" dirty="0"/>
               </a:p>
             </p:txBody>
           </p:sp>
@@ -8149,7 +8083,6 @@
                   <a:rPr lang="en-US" sz="2400" dirty="0"/>
                   <a:t>F</a:t>
                 </a:r>
-                <a:endParaRPr lang="en-US" sz="2400" dirty="0"/>
               </a:p>
             </p:txBody>
           </p:sp>
@@ -8389,7 +8322,6 @@
                   <a:rPr lang="en-US" sz="2400" dirty="0"/>
                   <a:t>O</a:t>
                 </a:r>
-                <a:endParaRPr lang="en-US" sz="2400" dirty="0"/>
               </a:p>
             </p:txBody>
           </p:sp>
@@ -8629,7 +8561,6 @@
                   <a:rPr lang="en-US" sz="2400" dirty="0"/>
                   <a:t>G</a:t>
                 </a:r>
-                <a:endParaRPr lang="en-US" sz="2400" dirty="0"/>
               </a:p>
             </p:txBody>
           </p:sp>
@@ -8869,7 +8800,6 @@
                   <a:rPr lang="en-US" sz="3733" dirty="0"/>
                   <a:t>H</a:t>
                 </a:r>
-                <a:endParaRPr lang="en-US" sz="3733" dirty="0"/>
               </a:p>
             </p:txBody>
           </p:sp>
@@ -9109,7 +9039,6 @@
                   <a:rPr lang="en-US" sz="3733" dirty="0"/>
                   <a:t>I</a:t>
                 </a:r>
-                <a:endParaRPr lang="en-US" sz="3733" dirty="0"/>
               </a:p>
             </p:txBody>
           </p:sp>
@@ -9349,7 +9278,6 @@
                   <a:rPr lang="en-US" sz="2133" dirty="0"/>
                   <a:t>R</a:t>
                 </a:r>
-                <a:endParaRPr lang="en-US" sz="2133" dirty="0"/>
               </a:p>
             </p:txBody>
           </p:sp>
@@ -9589,7 +9517,6 @@
                   <a:rPr lang="en-US" sz="2133" dirty="0"/>
                   <a:t>N</a:t>
                 </a:r>
-                <a:endParaRPr lang="en-US" sz="2133" dirty="0"/>
               </a:p>
             </p:txBody>
           </p:sp>
@@ -9829,7 +9756,6 @@
                   <a:rPr lang="en-US" sz="5867" dirty="0"/>
                   <a:t>Z</a:t>
                 </a:r>
-                <a:endParaRPr lang="en-US" sz="5867" dirty="0"/>
               </a:p>
             </p:txBody>
           </p:sp>
@@ -10069,7 +9995,6 @@
                   <a:rPr lang="en-US" sz="2133" dirty="0"/>
                   <a:t>J</a:t>
                 </a:r>
-                <a:endParaRPr lang="en-US" sz="2133" dirty="0"/>
               </a:p>
             </p:txBody>
           </p:sp>
@@ -10309,7 +10234,6 @@
                   <a:rPr lang="en-US" sz="2133" dirty="0"/>
                   <a:t>K</a:t>
                 </a:r>
-                <a:endParaRPr lang="en-US" sz="2133" dirty="0"/>
               </a:p>
             </p:txBody>
           </p:sp>
@@ -10549,7 +10473,6 @@
                   <a:rPr lang="en-US" sz="2133" dirty="0"/>
                   <a:t>L</a:t>
                 </a:r>
-                <a:endParaRPr lang="en-US" sz="2133" dirty="0"/>
               </a:p>
             </p:txBody>
           </p:sp>
@@ -10789,7 +10712,6 @@
                   <a:rPr lang="en-US" sz="2133" dirty="0"/>
                   <a:t>M</a:t>
                 </a:r>
-                <a:endParaRPr lang="en-US" sz="2133" dirty="0"/>
               </a:p>
             </p:txBody>
           </p:sp>
@@ -11055,7 +10977,6 @@
                 <a:rPr lang="en-US" sz="2400" dirty="0"/>
                 <a:t>}</a:t>
               </a:r>
-              <a:endParaRPr lang="en-US" sz="2400" dirty="0"/>
             </a:p>
           </p:txBody>
         </p:sp>
@@ -11101,7 +11022,7 @@
         </p:nvSpPr>
         <p:spPr>
           <a:xfrm>
-            <a:off x="19817473" y="27721772"/>
+            <a:off x="69550455" y="31799099"/>
             <a:ext cx="15132593" cy="666786"/>
           </a:xfrm>
           <a:prstGeom prst="rect">
@@ -11120,7 +11041,6 @@
               <a:rPr lang="en-US" sz="3733" i="1" dirty="0"/>
               <a:t>Fig. sampling model for species estimation / unknown data items estimation</a:t>
             </a:r>
-            <a:endParaRPr lang="en-US" sz="3733" i="1" dirty="0"/>
           </a:p>
         </p:txBody>
       </p:sp>
@@ -11132,7 +11052,7 @@
         </p:nvGrpSpPr>
         <p:grpSpPr>
           <a:xfrm>
-            <a:off x="23004014" y="19168830"/>
+            <a:off x="72736996" y="23246157"/>
             <a:ext cx="8452688" cy="601688"/>
             <a:chOff x="35201755" y="10836676"/>
             <a:chExt cx="7242026" cy="498594"/>
@@ -11908,7 +11828,6 @@
                   <a:rPr lang="en-US" sz="1600" b="1" i="1" dirty="0"/>
                   <a:t>Population</a:t>
                 </a:r>
-                <a:endParaRPr lang="en-US" sz="1600" b="1" i="1" dirty="0"/>
               </a:p>
             </p:txBody>
           </p:sp>
@@ -12156,7 +12075,6 @@
                   <a:rPr lang="en-US" sz="1600" b="1" i="1" dirty="0"/>
                   <a:t>Sample</a:t>
                 </a:r>
-                <a:endParaRPr lang="en-US" sz="1600" b="1" i="1" dirty="0"/>
               </a:p>
             </p:txBody>
           </p:sp>
@@ -12398,7 +12316,6 @@
                 <a:rPr lang="en-US" sz="1600" b="1" i="1" dirty="0"/>
                 <a:t>Sampling with replacement</a:t>
               </a:r>
-              <a:endParaRPr lang="en-US" sz="1600" b="1" i="1" dirty="0"/>
             </a:p>
           </p:txBody>
         </p:sp>
@@ -12715,7 +12632,6 @@
                 <a:rPr lang="en-US" sz="1600" b="1" i="1" dirty="0"/>
                 <a:t>replacement</a:t>
               </a:r>
-              <a:endParaRPr lang="en-US" sz="1600" b="1" i="1" dirty="0"/>
             </a:p>
           </p:txBody>
         </p:sp>
@@ -12728,7 +12644,7 @@
         </p:nvGrpSpPr>
         <p:grpSpPr>
           <a:xfrm>
-            <a:off x="30318978" y="21138373"/>
+            <a:off x="80051960" y="25215700"/>
             <a:ext cx="7778271" cy="6241312"/>
             <a:chOff x="29502098" y="7711514"/>
             <a:chExt cx="5833703" cy="4680984"/>
@@ -13240,7 +13156,6 @@
                   <a:rPr lang="en-US" sz="5333" dirty="0"/>
                   <a:t>A</a:t>
                 </a:r>
-                <a:endParaRPr lang="en-US" sz="5333" dirty="0"/>
               </a:p>
             </p:txBody>
           </p:sp>
@@ -13480,7 +13395,6 @@
                   <a:rPr lang="en-US" sz="4800" dirty="0"/>
                   <a:t>B</a:t>
                 </a:r>
-                <a:endParaRPr lang="en-US" sz="4800" dirty="0"/>
               </a:p>
             </p:txBody>
           </p:sp>
@@ -13720,7 +13634,6 @@
                   <a:rPr lang="en-US" sz="5867" dirty="0"/>
                   <a:t>C</a:t>
                 </a:r>
-                <a:endParaRPr lang="en-US" sz="5867" dirty="0"/>
               </a:p>
             </p:txBody>
           </p:sp>
@@ -13960,7 +13873,6 @@
                   <a:rPr lang="en-US" sz="4800" dirty="0"/>
                   <a:t>D</a:t>
                 </a:r>
-                <a:endParaRPr lang="en-US" sz="4800" dirty="0"/>
               </a:p>
             </p:txBody>
           </p:sp>
@@ -14200,7 +14112,6 @@
                   <a:rPr lang="en-US" sz="2400" dirty="0"/>
                   <a:t>E</a:t>
                 </a:r>
-                <a:endParaRPr lang="en-US" sz="2400" dirty="0"/>
               </a:p>
             </p:txBody>
           </p:sp>
@@ -14440,7 +14351,6 @@
                   <a:rPr lang="en-US" sz="2400" dirty="0"/>
                   <a:t>F</a:t>
                 </a:r>
-                <a:endParaRPr lang="en-US" sz="2400" dirty="0"/>
               </a:p>
             </p:txBody>
           </p:sp>
@@ -14680,7 +14590,6 @@
                   <a:rPr lang="en-US" sz="2400" dirty="0"/>
                   <a:t>O</a:t>
                 </a:r>
-                <a:endParaRPr lang="en-US" sz="2400" dirty="0"/>
               </a:p>
             </p:txBody>
           </p:sp>
@@ -14920,7 +14829,6 @@
                   <a:rPr lang="en-US" sz="2400" dirty="0"/>
                   <a:t>G</a:t>
                 </a:r>
-                <a:endParaRPr lang="en-US" sz="2400" dirty="0"/>
               </a:p>
             </p:txBody>
           </p:sp>
@@ -15160,7 +15068,6 @@
                   <a:rPr lang="en-US" sz="3733" dirty="0"/>
                   <a:t>H</a:t>
                 </a:r>
-                <a:endParaRPr lang="en-US" sz="3733" dirty="0"/>
               </a:p>
             </p:txBody>
           </p:sp>
@@ -15400,7 +15307,6 @@
                   <a:rPr lang="en-US" sz="3733" dirty="0"/>
                   <a:t>I</a:t>
                 </a:r>
-                <a:endParaRPr lang="en-US" sz="3733" dirty="0"/>
               </a:p>
             </p:txBody>
           </p:sp>
@@ -15640,7 +15546,6 @@
                   <a:rPr lang="en-US" sz="2133" dirty="0"/>
                   <a:t>R</a:t>
                 </a:r>
-                <a:endParaRPr lang="en-US" sz="2133" dirty="0"/>
               </a:p>
             </p:txBody>
           </p:sp>
@@ -15880,7 +15785,6 @@
                   <a:rPr lang="en-US" sz="2133" dirty="0"/>
                   <a:t>N</a:t>
                 </a:r>
-                <a:endParaRPr lang="en-US" sz="2133" dirty="0"/>
               </a:p>
             </p:txBody>
           </p:sp>
@@ -16120,7 +16024,6 @@
                   <a:rPr lang="en-US" sz="5867" dirty="0"/>
                   <a:t>Z</a:t>
                 </a:r>
-                <a:endParaRPr lang="en-US" sz="5867" dirty="0"/>
               </a:p>
             </p:txBody>
           </p:sp>
@@ -16360,7 +16263,6 @@
                   <a:rPr lang="en-US" sz="2133" dirty="0"/>
                   <a:t>J</a:t>
                 </a:r>
-                <a:endParaRPr lang="en-US" sz="2133" dirty="0"/>
               </a:p>
             </p:txBody>
           </p:sp>
@@ -16600,7 +16502,6 @@
                   <a:rPr lang="en-US" sz="2133" dirty="0"/>
                   <a:t>K</a:t>
                 </a:r>
-                <a:endParaRPr lang="en-US" sz="2133" dirty="0"/>
               </a:p>
             </p:txBody>
           </p:sp>
@@ -16840,7 +16741,6 @@
                   <a:rPr lang="en-US" sz="2133" dirty="0"/>
                   <a:t>L</a:t>
                 </a:r>
-                <a:endParaRPr lang="en-US" sz="2133" dirty="0"/>
               </a:p>
             </p:txBody>
           </p:sp>
@@ -17080,7 +16980,6 @@
                   <a:rPr lang="en-US" sz="2133" dirty="0"/>
                   <a:t>M</a:t>
                 </a:r>
-                <a:endParaRPr lang="en-US" sz="2133" dirty="0"/>
               </a:p>
             </p:txBody>
           </p:sp>
@@ -17386,23 +17285,7 @@
                     <a:schemeClr val="tx1"/>
                   </a:solidFill>
                 </a:rPr>
-                <a:t>, C, </a:t>
-              </a:r>
-              <a:r>
-                <a:rPr lang="en-US" sz="2400" dirty="0">
-                  <a:solidFill>
-                    <a:schemeClr val="tx1"/>
-                  </a:solidFill>
-                </a:rPr>
-                <a:t>F</a:t>
-              </a:r>
-              <a:r>
-                <a:rPr lang="en-US" sz="2400" dirty="0">
-                  <a:solidFill>
-                    <a:schemeClr val="tx1"/>
-                  </a:solidFill>
-                </a:rPr>
-                <a:t>, F, J, C, </a:t>
+                <a:t>, C, F, F, J, C, </a:t>
               </a:r>
               <a:r>
                 <a:rPr lang="en-US" sz="2400" dirty="0">
@@ -17418,23 +17301,7 @@
                     <a:schemeClr val="tx1"/>
                   </a:solidFill>
                 </a:rPr>
-                <a:t>, </a:t>
-              </a:r>
-              <a:r>
-                <a:rPr lang="en-US" sz="2400" dirty="0">
-                  <a:solidFill>
-                    <a:schemeClr val="tx1"/>
-                  </a:solidFill>
-                </a:rPr>
-                <a:t>B, </a:t>
-              </a:r>
-              <a:r>
-                <a:rPr lang="en-US" sz="2400" dirty="0">
-                  <a:solidFill>
-                    <a:schemeClr val="tx1"/>
-                  </a:solidFill>
-                </a:rPr>
-                <a:t>… </a:t>
+                <a:t>, B, … </a:t>
               </a:r>
               <a:r>
                 <a:rPr lang="en-US" sz="2400" dirty="0"/>
@@ -17967,7 +17834,6 @@
                 <a:rPr lang="en-US" sz="2400" dirty="0"/>
                 <a:t>B, F }</a:t>
               </a:r>
-              <a:endParaRPr lang="en-US" sz="2400" dirty="0"/>
             </a:p>
           </p:txBody>
         </p:sp>
@@ -18980,7 +18846,6 @@
                 <a:rPr lang="en-US" sz="2400" dirty="0"/>
                 <a:t>D, F, J }</a:t>
               </a:r>
-              <a:endParaRPr lang="en-US" sz="2400" dirty="0"/>
             </a:p>
           </p:txBody>
         </p:sp>
@@ -19240,7 +19105,6 @@
                 <a:rPr lang="en-US" sz="2400" dirty="0"/>
                 <a:t>H, L, E }</a:t>
               </a:r>
-              <a:endParaRPr lang="en-US" sz="2400" dirty="0"/>
             </a:p>
           </p:txBody>
         </p:sp>
@@ -19611,7 +19475,7 @@
         </p:nvSpPr>
         <p:spPr>
           <a:xfrm>
-            <a:off x="24332430" y="22500991"/>
+            <a:off x="74065412" y="26578318"/>
             <a:ext cx="4849479" cy="2958323"/>
           </a:xfrm>
           <a:prstGeom prst="roundRect">
@@ -19651,7 +19515,7 @@
         </p:nvSpPr>
         <p:spPr>
           <a:xfrm>
-            <a:off x="24713068" y="22659813"/>
+            <a:off x="74446050" y="26737140"/>
             <a:ext cx="4241356" cy="1241237"/>
           </a:xfrm>
           <a:prstGeom prst="rect">
@@ -19677,7 +19541,6 @@
               <a:rPr lang="en-US" sz="3733" i="1" dirty="0"/>
               <a:t>Species Estimator: </a:t>
             </a:r>
-            <a:endParaRPr lang="en-US" sz="3733" i="1" dirty="0"/>
           </a:p>
         </p:txBody>
       </p:sp>
@@ -19690,20 +19553,20 @@
           <p:nvPr>
             <p:extLst>
               <p:ext uri="{D42A27DB-BD31-4B8C-83A1-F6EECF244321}">
-                <p14:modId xmlns:p14="http://schemas.microsoft.com/office/powerpoint/2010/main" val="3095424673"/>
+                <p14:modId xmlns:p14="http://schemas.microsoft.com/office/powerpoint/2010/main" val="3891948704"/>
               </p:ext>
             </p:extLst>
           </p:nvPr>
         </p:nvGraphicFramePr>
         <p:xfrm>
-          <a:off x="24799172" y="24109609"/>
+          <a:off x="74532154" y="28186936"/>
           <a:ext cx="3983047" cy="1167444"/>
         </p:xfrm>
         <a:graphic>
           <a:graphicData uri="http://schemas.openxmlformats.org/presentationml/2006/ole">
             <mc:AlternateContent xmlns:mc="http://schemas.openxmlformats.org/markup-compatibility/2006">
               <mc:Choice xmlns:v="urn:schemas-microsoft-com:vml" Requires="v">
-                <p:oleObj spid="_x0000_s1061" name="Equation" r:id="rId14" imgW="1473200" imgH="431800" progId="Equation.3">
+                <p:oleObj spid="_x0000_s1065" name="Equation" r:id="rId14" imgW="1473200" imgH="431800" progId="Equation.3">
                   <p:embed/>
                 </p:oleObj>
               </mc:Choice>
@@ -19724,7 +19587,7 @@
                     </p:blipFill>
                     <p:spPr>
                       <a:xfrm>
-                        <a:off x="24799172" y="24109609"/>
+                        <a:off x="74532154" y="28186936"/>
                         <a:ext cx="3983047" cy="1167444"/>
                       </a:xfrm>
                       <a:prstGeom prst="rect">
@@ -19748,7 +19611,7 @@
         </p:nvCxnSpPr>
         <p:spPr>
           <a:xfrm rot="16200000" flipH="1">
-            <a:off x="22294459" y="18998151"/>
+            <a:off x="72027441" y="23075478"/>
             <a:ext cx="1260626" cy="5745053"/>
           </a:xfrm>
           <a:prstGeom prst="bentConnector4">
@@ -19784,7 +19647,7 @@
         </p:nvSpPr>
         <p:spPr>
           <a:xfrm>
-            <a:off x="19277283" y="20143599"/>
+            <a:off x="69010265" y="24220926"/>
             <a:ext cx="7291760" cy="584775"/>
           </a:xfrm>
           <a:prstGeom prst="rect">
@@ -19803,7 +19666,6 @@
               <a:rPr lang="en-US" sz="3200" i="1" dirty="0"/>
               <a:t>Unknown biological species estimation </a:t>
             </a:r>
-            <a:endParaRPr lang="en-US" sz="3200" i="1" dirty="0"/>
           </a:p>
         </p:txBody>
       </p:sp>
@@ -19817,7 +19679,7 @@
         </p:nvCxnSpPr>
         <p:spPr>
           <a:xfrm rot="16200000" flipH="1" flipV="1">
-            <a:off x="30290121" y="18582998"/>
+            <a:off x="80023103" y="22660325"/>
             <a:ext cx="1362618" cy="6473368"/>
           </a:xfrm>
           <a:prstGeom prst="bentConnector4">
@@ -19853,7 +19715,7 @@
         </p:nvSpPr>
         <p:spPr>
           <a:xfrm>
-            <a:off x="27351090" y="20110825"/>
+            <a:off x="77084072" y="24188152"/>
             <a:ext cx="7291760" cy="584775"/>
           </a:xfrm>
           <a:prstGeom prst="rect">
@@ -19888,7 +19750,7 @@
         </p:nvSpPr>
         <p:spPr>
           <a:xfrm>
-            <a:off x="22923164" y="25527407"/>
+            <a:off x="72656146" y="29604734"/>
             <a:ext cx="7635401" cy="584775"/>
           </a:xfrm>
           <a:prstGeom prst="rect">
@@ -19911,11 +19773,6 @@
               </a:rPr>
               <a:t>* Requires sampling with replacement</a:t>
             </a:r>
-            <a:endParaRPr lang="en-US" sz="3200" dirty="0">
-              <a:solidFill>
-                <a:srgbClr val="FF0000"/>
-              </a:solidFill>
-            </a:endParaRPr>
           </a:p>
         </p:txBody>
       </p:sp>
@@ -19927,7 +19784,7 @@
         </p:nvSpPr>
         <p:spPr>
           <a:xfrm>
-            <a:off x="16912979" y="29071129"/>
+            <a:off x="66645961" y="33148456"/>
             <a:ext cx="21079657" cy="2308324"/>
           </a:xfrm>
           <a:prstGeom prst="rect">
@@ -19980,7 +19837,7 @@
         </p:nvSpPr>
         <p:spPr>
           <a:xfrm>
-            <a:off x="15380315" y="44854194"/>
+            <a:off x="65113297" y="48931521"/>
             <a:ext cx="12913984" cy="666786"/>
           </a:xfrm>
           <a:prstGeom prst="rect">
@@ -19997,17 +19854,8 @@
             <a:pPr algn="ctr"/>
             <a:r>
               <a:rPr lang="en-US" sz="3733" i="1" dirty="0"/>
-              <a:t>Fig. </a:t>
+              <a:t>Fig. simulation result for U.S. states GDP sum</a:t>
             </a:r>
-            <a:r>
-              <a:rPr lang="en-US" sz="3733" i="1" dirty="0"/>
-              <a:t>s</a:t>
-            </a:r>
-            <a:r>
-              <a:rPr lang="en-US" sz="3733" i="1" dirty="0"/>
-              <a:t>imulation result for U.S. states GDP sum</a:t>
-            </a:r>
-            <a:endParaRPr lang="en-US" sz="3733" i="1" dirty="0"/>
           </a:p>
         </p:txBody>
       </p:sp>
@@ -20019,7 +19867,7 @@
         </p:nvSpPr>
         <p:spPr>
           <a:xfrm>
-            <a:off x="-8423879" y="45711996"/>
+            <a:off x="41309103" y="49789323"/>
             <a:ext cx="21079657" cy="2308324"/>
           </a:xfrm>
           <a:prstGeom prst="rect">
@@ -20060,7 +19908,7 @@
         </p:nvSpPr>
         <p:spPr>
           <a:xfrm>
-            <a:off x="16785147" y="46345696"/>
+            <a:off x="66518129" y="50423023"/>
             <a:ext cx="21079657" cy="1200329"/>
           </a:xfrm>
           <a:prstGeom prst="rect">
@@ -20081,15 +19929,7 @@
             </a:pPr>
             <a:r>
               <a:rPr lang="en-US" sz="4800" i="1" dirty="0"/>
-              <a:t>How can we estimate the values of the unknown data items </a:t>
-            </a:r>
-            <a:r>
-              <a:rPr lang="en-US" sz="4800" i="1" dirty="0"/>
-              <a:t>more </a:t>
-            </a:r>
-            <a:r>
-              <a:rPr lang="en-US" sz="4800" i="1" dirty="0"/>
-              <a:t>precisely?</a:t>
+              <a:t>How can we estimate the values of the unknown data items more precisely?</a:t>
             </a:r>
           </a:p>
         </p:txBody>
@@ -20103,14 +19943,14 @@
           <p:nvPr>
             <p:extLst>
               <p:ext uri="{D42A27DB-BD31-4B8C-83A1-F6EECF244321}">
-                <p14:modId xmlns:p14="http://schemas.microsoft.com/office/powerpoint/2010/main" val="815472348"/>
+                <p14:modId xmlns:p14="http://schemas.microsoft.com/office/powerpoint/2010/main" val="877045205"/>
               </p:ext>
             </p:extLst>
           </p:nvPr>
         </p:nvGraphicFramePr>
         <p:xfrm>
-          <a:off x="272327" y="5394350"/>
-          <a:ext cx="27685984" cy="3078480"/>
+          <a:off x="495847" y="4662830"/>
+          <a:ext cx="27685984" cy="1871080"/>
         </p:xfrm>
         <a:graphic>
           <a:graphicData uri="http://schemas.openxmlformats.org/drawingml/2006/table">
@@ -20124,7 +19964,7 @@
                 <a:gridCol w="6921496"/>
                 <a:gridCol w="6921496"/>
               </a:tblGrid>
-              <a:tr h="370840">
+              <a:tr h="700010">
                 <a:tc>
                   <a:txBody>
                     <a:bodyPr/>
@@ -20159,12 +19999,19 @@
                           <a:latin typeface="Trebuchet MS"/>
                           <a:cs typeface="Trebuchet MS"/>
                         </a:rPr>
-                        <a:t> Chung</a:t>
+                        <a:t> </a:t>
                       </a:r>
-                    </a:p>
-                    <a:p>
-                      <a:pPr algn="ctr"/>
-                      <a:endParaRPr lang="en-US" sz="6000" dirty="0"/>
+                      <a:r>
+                        <a:rPr lang="en-US" sz="5400" dirty="0" smtClean="0">
+                          <a:latin typeface="Trebuchet MS"/>
+                          <a:cs typeface="Trebuchet MS"/>
+                        </a:rPr>
+                        <a:t>Chung</a:t>
+                      </a:r>
+                      <a:endParaRPr lang="en-US" sz="5400" dirty="0" smtClean="0">
+                        <a:latin typeface="Trebuchet MS"/>
+                        <a:cs typeface="Trebuchet MS"/>
+                      </a:endParaRPr>
                     </a:p>
                   </a:txBody>
                   <a:tcPr>
@@ -20174,8 +20021,12 @@
                     <a:lnR w="12700" cmpd="sng">
                       <a:noFill/>
                     </a:lnR>
-                    <a:lnT w="12700" cmpd="sng">
+                    <a:lnT w="12700" cap="flat" cmpd="sng" algn="ctr">
                       <a:noFill/>
+                      <a:prstDash val="solid"/>
+                      <a:round/>
+                      <a:headEnd type="none" w="med" len="med"/>
+                      <a:tailEnd type="none" w="med" len="med"/>
                     </a:lnT>
                     <a:lnB w="12700" cmpd="sng">
                       <a:noFill/>
@@ -20224,8 +20075,12 @@
                     <a:lnR w="12700" cmpd="sng">
                       <a:noFill/>
                     </a:lnR>
-                    <a:lnT w="12700" cmpd="sng">
+                    <a:lnT w="12700" cap="flat" cmpd="sng" algn="ctr">
                       <a:noFill/>
+                      <a:prstDash val="solid"/>
+                      <a:round/>
+                      <a:headEnd type="none" w="med" len="med"/>
+                      <a:tailEnd type="none" w="med" len="med"/>
                     </a:lnT>
                     <a:lnB w="12700" cmpd="sng">
                       <a:noFill/>
@@ -20267,8 +20122,12 @@
                     <a:lnR w="12700" cmpd="sng">
                       <a:noFill/>
                     </a:lnR>
-                    <a:lnT w="12700" cmpd="sng">
+                    <a:lnT w="12700" cap="flat" cmpd="sng" algn="ctr">
                       <a:noFill/>
+                      <a:prstDash val="solid"/>
+                      <a:round/>
+                      <a:headEnd type="none" w="med" len="med"/>
+                      <a:tailEnd type="none" w="med" len="med"/>
                     </a:lnT>
                     <a:lnB w="12700" cmpd="sng">
                       <a:noFill/>
@@ -20324,8 +20183,12 @@
                     <a:lnR w="12700" cmpd="sng">
                       <a:noFill/>
                     </a:lnR>
-                    <a:lnT w="12700" cmpd="sng">
+                    <a:lnT w="12700" cap="flat" cmpd="sng" algn="ctr">
                       <a:noFill/>
+                      <a:prstDash val="solid"/>
+                      <a:round/>
+                      <a:headEnd type="none" w="med" len="med"/>
+                      <a:tailEnd type="none" w="med" len="med"/>
                     </a:lnT>
                     <a:lnB w="12700" cmpd="sng">
                       <a:noFill/>
@@ -20342,7 +20205,7 @@
                   </a:tcPr>
                 </a:tc>
               </a:tr>
-              <a:tr h="370840">
+              <a:tr h="956680">
                 <a:tc>
                   <a:txBody>
                     <a:bodyPr/>
@@ -20353,6 +20216,7 @@
                         <a:rPr lang="en-US" sz="3600" dirty="0" smtClean="0">
                           <a:latin typeface="Trebuchet MS"/>
                           <a:cs typeface="Trebuchet MS"/>
+                          <a:hlinkClick r:id="rId16"/>
                         </a:rPr>
                         <a:t>yeounoh_chung@brown.edu</a:t>
                       </a:r>
@@ -20369,7 +20233,7 @@
                     <a:lnT w="12700" cmpd="sng">
                       <a:noFill/>
                     </a:lnT>
-                    <a:lnB w="57150" cap="flat" cmpd="sng" algn="ctr">
+                    <a:lnB w="12700" cap="flat" cmpd="sng" algn="ctr">
                       <a:solidFill>
                         <a:schemeClr val="tx1"/>
                       </a:solidFill>
@@ -20415,13 +20279,14 @@
                         <a:rPr lang="en-US" sz="3600" dirty="0" smtClean="0">
                           <a:latin typeface="Trebuchet MS"/>
                           <a:cs typeface="Trebuchet MS"/>
+                          <a:hlinkClick r:id="rId17"/>
                         </a:rPr>
                         <a:t>Scott_houde@brown.edu</a:t>
                       </a:r>
-                    </a:p>
-                    <a:p>
-                      <a:pPr algn="ctr"/>
-                      <a:endParaRPr lang="en-US" sz="4000" dirty="0"/>
+                      <a:endParaRPr lang="en-US" sz="3600" dirty="0" smtClean="0">
+                        <a:latin typeface="Trebuchet MS"/>
+                        <a:cs typeface="Trebuchet MS"/>
+                      </a:endParaRPr>
                     </a:p>
                   </a:txBody>
                   <a:tcPr>
@@ -20434,7 +20299,7 @@
                     <a:lnT w="12700" cmpd="sng">
                       <a:noFill/>
                     </a:lnT>
-                    <a:lnB w="57150" cap="flat" cmpd="sng" algn="ctr">
+                    <a:lnB w="12700" cap="flat" cmpd="sng" algn="ctr">
                       <a:solidFill>
                         <a:schemeClr val="tx1"/>
                       </a:solidFill>
@@ -20480,13 +20345,14 @@
                         <a:rPr lang="en-US" sz="3600" dirty="0" smtClean="0">
                           <a:latin typeface="Trebuchet MS"/>
                           <a:cs typeface="Trebuchet MS"/>
+                          <a:hlinkClick r:id="rId18"/>
                         </a:rPr>
                         <a:t>Johannes_novotny@brown.edu</a:t>
                       </a:r>
-                    </a:p>
-                    <a:p>
-                      <a:pPr algn="ctr"/>
-                      <a:endParaRPr lang="en-US" sz="4000" dirty="0"/>
+                      <a:endParaRPr lang="en-US" sz="3600" dirty="0" smtClean="0">
+                        <a:latin typeface="Trebuchet MS"/>
+                        <a:cs typeface="Trebuchet MS"/>
+                      </a:endParaRPr>
                     </a:p>
                   </a:txBody>
                   <a:tcPr>
@@ -20499,7 +20365,7 @@
                     <a:lnT w="12700" cmpd="sng">
                       <a:noFill/>
                     </a:lnT>
-                    <a:lnB w="57150" cap="flat" cmpd="sng" algn="ctr">
+                    <a:lnB w="12700" cap="flat" cmpd="sng" algn="ctr">
                       <a:solidFill>
                         <a:schemeClr val="tx1"/>
                       </a:solidFill>
@@ -20545,13 +20411,14 @@
                         <a:rPr lang="en-US" sz="3600" dirty="0" smtClean="0">
                           <a:latin typeface="Trebuchet MS"/>
                           <a:cs typeface="Trebuchet MS"/>
+                          <a:hlinkClick r:id="rId19"/>
                         </a:rPr>
                         <a:t>Erfan_zamanian@brown.edu</a:t>
                       </a:r>
-                    </a:p>
-                    <a:p>
-                      <a:pPr algn="ctr"/>
-                      <a:endParaRPr lang="en-US" sz="3600" dirty="0"/>
+                      <a:endParaRPr lang="en-US" sz="3600" dirty="0" smtClean="0">
+                        <a:latin typeface="Trebuchet MS"/>
+                        <a:cs typeface="Trebuchet MS"/>
+                      </a:endParaRPr>
                     </a:p>
                   </a:txBody>
                   <a:tcPr>
@@ -20564,7 +20431,7 @@
                     <a:lnT w="12700" cmpd="sng">
                       <a:noFill/>
                     </a:lnT>
-                    <a:lnB w="57150" cap="flat" cmpd="sng" algn="ctr">
+                    <a:lnB w="12700" cap="flat" cmpd="sng" algn="ctr">
                       <a:solidFill>
                         <a:schemeClr val="tx1"/>
                       </a:solidFill>
@@ -20589,6 +20456,189 @@
           </a:graphicData>
         </a:graphic>
       </p:graphicFrame>
+      <p:cxnSp>
+        <p:nvCxnSpPr>
+          <p:cNvPr id="11" name="Straight Connector 10"/>
+          <p:cNvCxnSpPr/>
+          <p:nvPr/>
+        </p:nvCxnSpPr>
+        <p:spPr>
+          <a:xfrm>
+            <a:off x="495847" y="6604000"/>
+            <a:ext cx="27685984" cy="0"/>
+          </a:xfrm>
+          <a:prstGeom prst="line">
+            <a:avLst/>
+          </a:prstGeom>
+        </p:spPr>
+        <p:style>
+          <a:lnRef idx="2">
+            <a:schemeClr val="accent2"/>
+          </a:lnRef>
+          <a:fillRef idx="0">
+            <a:schemeClr val="accent2"/>
+          </a:fillRef>
+          <a:effectRef idx="1">
+            <a:schemeClr val="accent2"/>
+          </a:effectRef>
+          <a:fontRef idx="minor">
+            <a:schemeClr val="tx1"/>
+          </a:fontRef>
+        </p:style>
+      </p:cxnSp>
+      <p:sp>
+        <p:nvSpPr>
+          <p:cNvPr id="12" name="TextBox 11"/>
+          <p:cNvSpPr txBox="1"/>
+          <p:nvPr/>
+        </p:nvSpPr>
+        <p:spPr>
+          <a:xfrm>
+            <a:off x="495847" y="6807200"/>
+            <a:ext cx="27685984" cy="1569660"/>
+          </a:xfrm>
+          <a:prstGeom prst="rect">
+            <a:avLst/>
+          </a:prstGeom>
+          <a:noFill/>
+        </p:spPr>
+        <p:txBody>
+          <a:bodyPr wrap="square" rtlCol="0">
+            <a:spAutoFit/>
+          </a:bodyPr>
+          <a:lstStyle/>
+          <a:p>
+            <a:pPr algn="ctr"/>
+            <a:r>
+              <a:rPr lang="en-US" sz="4800" u="sng" dirty="0" smtClean="0"/>
+              <a:t>Goal: </a:t>
+            </a:r>
+            <a:r>
+              <a:rPr lang="en-US" sz="4800" dirty="0" smtClean="0"/>
+              <a:t> To create an easy to use web based search tool that combines three major data sets that allows prospective doctoral applicants to find the right computer science professor and university for them.</a:t>
+            </a:r>
+            <a:endParaRPr lang="en-US" sz="4800" u="sng" dirty="0"/>
+          </a:p>
+        </p:txBody>
+      </p:sp>
+      <p:sp>
+        <p:nvSpPr>
+          <p:cNvPr id="15" name="Rounded Rectangle 14"/>
+          <p:cNvSpPr/>
+          <p:nvPr/>
+        </p:nvSpPr>
+        <p:spPr>
+          <a:xfrm>
+            <a:off x="495847" y="8656320"/>
+            <a:ext cx="27685984" cy="2479040"/>
+          </a:xfrm>
+          <a:prstGeom prst="roundRect">
+            <a:avLst/>
+          </a:prstGeom>
+        </p:spPr>
+        <p:style>
+          <a:lnRef idx="1">
+            <a:schemeClr val="accent1"/>
+          </a:lnRef>
+          <a:fillRef idx="3">
+            <a:schemeClr val="accent1"/>
+          </a:fillRef>
+          <a:effectRef idx="2">
+            <a:schemeClr val="accent1"/>
+          </a:effectRef>
+          <a:fontRef idx="minor">
+            <a:schemeClr val="lt1"/>
+          </a:fontRef>
+        </p:style>
+        <p:txBody>
+          <a:bodyPr rtlCol="0" anchor="ctr"/>
+          <a:lstStyle/>
+          <a:p>
+            <a:pPr algn="ctr"/>
+            <a:endParaRPr lang="en-US"/>
+          </a:p>
+        </p:txBody>
+      </p:sp>
+      <p:sp>
+        <p:nvSpPr>
+          <p:cNvPr id="157" name="Rounded Rectangle 156"/>
+          <p:cNvSpPr/>
+          <p:nvPr/>
+        </p:nvSpPr>
+        <p:spPr>
+          <a:xfrm>
+            <a:off x="2479039" y="11785600"/>
+            <a:ext cx="24808711" cy="2479040"/>
+          </a:xfrm>
+          <a:prstGeom prst="roundRect">
+            <a:avLst/>
+          </a:prstGeom>
+        </p:spPr>
+        <p:style>
+          <a:lnRef idx="1">
+            <a:schemeClr val="accent1"/>
+          </a:lnRef>
+          <a:fillRef idx="3">
+            <a:schemeClr val="accent1"/>
+          </a:fillRef>
+          <a:effectRef idx="2">
+            <a:schemeClr val="accent1"/>
+          </a:effectRef>
+          <a:fontRef idx="minor">
+            <a:schemeClr val="lt1"/>
+          </a:fontRef>
+        </p:style>
+        <p:txBody>
+          <a:bodyPr rtlCol="0" anchor="ctr"/>
+          <a:lstStyle/>
+          <a:p>
+            <a:pPr algn="ctr"/>
+            <a:endParaRPr lang="en-US"/>
+          </a:p>
+        </p:txBody>
+      </p:sp>
+      <p:sp>
+        <p:nvSpPr>
+          <p:cNvPr id="17" name="Bent Arrow 16"/>
+          <p:cNvSpPr/>
+          <p:nvPr/>
+        </p:nvSpPr>
+        <p:spPr>
+          <a:xfrm rot="10800000" flipH="1">
+            <a:off x="833120" y="11414820"/>
+            <a:ext cx="1471206" cy="2118300"/>
+          </a:xfrm>
+          <a:prstGeom prst="bentArrow">
+            <a:avLst/>
+          </a:prstGeom>
+        </p:spPr>
+        <p:style>
+          <a:lnRef idx="1">
+            <a:schemeClr val="accent1"/>
+          </a:lnRef>
+          <a:fillRef idx="3">
+            <a:schemeClr val="accent1"/>
+          </a:fillRef>
+          <a:effectRef idx="2">
+            <a:schemeClr val="accent1"/>
+          </a:effectRef>
+          <a:fontRef idx="minor">
+            <a:schemeClr val="lt1"/>
+          </a:fontRef>
+        </p:style>
+        <p:txBody>
+          <a:bodyPr rtlCol="0" anchor="ctr"/>
+          <a:lstStyle/>
+          <a:p>
+            <a:pPr algn="ctr"/>
+            <a:endParaRPr lang="en-US">
+              <a:solidFill>
+                <a:schemeClr val="tx1"/>
+              </a:solidFill>
+            </a:endParaRPr>
+          </a:p>
+        </p:txBody>
+      </p:sp>
     </p:spTree>
     <p:extLst>
       <p:ext uri="{BB962C8B-B14F-4D97-AF65-F5344CB8AC3E}">
